--- a/internet/networking.pptx
+++ b/internet/networking.pptx
@@ -37,8 +37,23 @@
     <p:sldId id="285" r:id="rId31"/>
     <p:sldId id="286" r:id="rId32"/>
     <p:sldId id="287" r:id="rId33"/>
-    <p:sldId id="288" r:id="rId34"/>
-    <p:sldId id="289" r:id="rId35"/>
+    <p:sldId id="290" r:id="rId34"/>
+    <p:sldId id="291" r:id="rId35"/>
+    <p:sldId id="292" r:id="rId36"/>
+    <p:sldId id="293" r:id="rId37"/>
+    <p:sldId id="294" r:id="rId38"/>
+    <p:sldId id="295" r:id="rId39"/>
+    <p:sldId id="296" r:id="rId40"/>
+    <p:sldId id="288" r:id="rId41"/>
+    <p:sldId id="289" r:id="rId42"/>
+    <p:sldId id="297" r:id="rId43"/>
+    <p:sldId id="298" r:id="rId44"/>
+    <p:sldId id="299" r:id="rId45"/>
+    <p:sldId id="300" r:id="rId46"/>
+    <p:sldId id="301" r:id="rId47"/>
+    <p:sldId id="302" r:id="rId48"/>
+    <p:sldId id="303" r:id="rId49"/>
+    <p:sldId id="304" r:id="rId50"/>
   </p:sldIdLst>
   <p:sldSz cx="12192000" cy="6858000"/>
   <p:notesSz cx="6858000" cy="9144000"/>
@@ -137,6 +152,11 @@
       </a:defRPr>
     </a:lvl9pPr>
   </p:defaultTextStyle>
+  <p:extLst>
+    <p:ext uri="{EFAFB233-063F-42B5-8137-9DF3F51BA10A}">
+      <p15:sldGuideLst xmlns:p15="http://schemas.microsoft.com/office/powerpoint/2012/main"/>
+    </p:ext>
+  </p:extLst>
 </p:presentation>
 </file>
 
@@ -385,7 +405,7 @@
           <a:p>
             <a:fld id="{266E0BC6-D9B8-4CEF-8A0B-6E1BEC04640E}" type="datetimeFigureOut">
               <a:rPr lang="en-US" smtClean="0"/>
-              <a:t>1/25/2024</a:t>
+              <a:t>1/26/2024</a:t>
             </a:fld>
             <a:endParaRPr lang="en-US"/>
           </a:p>
@@ -647,7 +667,7 @@
           <a:p>
             <a:fld id="{266E0BC6-D9B8-4CEF-8A0B-6E1BEC04640E}" type="datetimeFigureOut">
               <a:rPr lang="en-US" smtClean="0"/>
-              <a:t>1/25/2024</a:t>
+              <a:t>1/26/2024</a:t>
             </a:fld>
             <a:endParaRPr lang="en-US"/>
           </a:p>
@@ -882,7 +902,7 @@
           <a:p>
             <a:fld id="{266E0BC6-D9B8-4CEF-8A0B-6E1BEC04640E}" type="datetimeFigureOut">
               <a:rPr lang="en-US" smtClean="0"/>
-              <a:t>1/25/2024</a:t>
+              <a:t>1/26/2024</a:t>
             </a:fld>
             <a:endParaRPr lang="en-US"/>
           </a:p>
@@ -1122,7 +1142,7 @@
           <a:p>
             <a:fld id="{266E0BC6-D9B8-4CEF-8A0B-6E1BEC04640E}" type="datetimeFigureOut">
               <a:rPr lang="en-US" smtClean="0"/>
-              <a:t>1/25/2024</a:t>
+              <a:t>1/26/2024</a:t>
             </a:fld>
             <a:endParaRPr lang="en-US"/>
           </a:p>
@@ -1429,7 +1449,7 @@
           <a:p>
             <a:fld id="{266E0BC6-D9B8-4CEF-8A0B-6E1BEC04640E}" type="datetimeFigureOut">
               <a:rPr lang="en-US" smtClean="0"/>
-              <a:t>1/25/2024</a:t>
+              <a:t>1/26/2024</a:t>
             </a:fld>
             <a:endParaRPr lang="en-US"/>
           </a:p>
@@ -1731,7 +1751,7 @@
           <a:p>
             <a:fld id="{266E0BC6-D9B8-4CEF-8A0B-6E1BEC04640E}" type="datetimeFigureOut">
               <a:rPr lang="en-US" smtClean="0"/>
-              <a:t>1/25/2024</a:t>
+              <a:t>1/26/2024</a:t>
             </a:fld>
             <a:endParaRPr lang="en-US"/>
           </a:p>
@@ -2153,7 +2173,7 @@
           <a:p>
             <a:fld id="{266E0BC6-D9B8-4CEF-8A0B-6E1BEC04640E}" type="datetimeFigureOut">
               <a:rPr lang="en-US" smtClean="0"/>
-              <a:t>1/25/2024</a:t>
+              <a:t>1/26/2024</a:t>
             </a:fld>
             <a:endParaRPr lang="en-US"/>
           </a:p>
@@ -2315,7 +2335,7 @@
           <a:p>
             <a:fld id="{266E0BC6-D9B8-4CEF-8A0B-6E1BEC04640E}" type="datetimeFigureOut">
               <a:rPr lang="en-US" smtClean="0"/>
-              <a:t>1/25/2024</a:t>
+              <a:t>1/26/2024</a:t>
             </a:fld>
             <a:endParaRPr lang="en-US"/>
           </a:p>
@@ -2410,7 +2430,7 @@
           <a:p>
             <a:fld id="{266E0BC6-D9B8-4CEF-8A0B-6E1BEC04640E}" type="datetimeFigureOut">
               <a:rPr lang="en-US" smtClean="0"/>
-              <a:t>1/25/2024</a:t>
+              <a:t>1/26/2024</a:t>
             </a:fld>
             <a:endParaRPr lang="en-US"/>
           </a:p>
@@ -2788,7 +2808,7 @@
           <a:p>
             <a:fld id="{266E0BC6-D9B8-4CEF-8A0B-6E1BEC04640E}" type="datetimeFigureOut">
               <a:rPr lang="en-US" smtClean="0"/>
-              <a:t>1/25/2024</a:t>
+              <a:t>1/26/2024</a:t>
             </a:fld>
             <a:endParaRPr lang="en-US"/>
           </a:p>
@@ -3077,7 +3097,7 @@
           <a:p>
             <a:fld id="{266E0BC6-D9B8-4CEF-8A0B-6E1BEC04640E}" type="datetimeFigureOut">
               <a:rPr lang="en-US" smtClean="0"/>
-              <a:t>1/25/2024</a:t>
+              <a:t>1/26/2024</a:t>
             </a:fld>
             <a:endParaRPr lang="en-US"/>
           </a:p>
@@ -3288,7 +3308,7 @@
           <a:p>
             <a:fld id="{266E0BC6-D9B8-4CEF-8A0B-6E1BEC04640E}" type="datetimeFigureOut">
               <a:rPr lang="en-US" smtClean="0"/>
-              <a:t>1/25/2024</a:t>
+              <a:t>1/26/2024</a:t>
             </a:fld>
             <a:endParaRPr lang="en-US"/>
           </a:p>
@@ -6103,7 +6123,7 @@
           <p:cNvPr id="2" name="Title 1">
             <a:extLst>
               <a:ext uri="{FF2B5EF4-FFF2-40B4-BE49-F238E27FC236}">
-                <a16:creationId xmlns:a16="http://schemas.microsoft.com/office/drawing/2014/main" id="{163A25DC-3C79-0B9A-9B71-23E7EAA649D7}"/>
+                <a16:creationId xmlns:a16="http://schemas.microsoft.com/office/drawing/2014/main" id="{DA3CDA26-FFFE-A1F9-0BF5-EA19849D803B}"/>
               </a:ext>
             </a:extLst>
           </p:cNvPr>
@@ -6121,7 +6141,7 @@
           <a:p>
             <a:r>
               <a:rPr lang="en-US" dirty="0"/>
-              <a:t>Hub and switches</a:t>
+              <a:t>Switch</a:t>
             </a:r>
           </a:p>
         </p:txBody>
@@ -6131,7 +6151,7 @@
           <p:cNvPr id="3" name="Content Placeholder 2">
             <a:extLst>
               <a:ext uri="{FF2B5EF4-FFF2-40B4-BE49-F238E27FC236}">
-                <a16:creationId xmlns:a16="http://schemas.microsoft.com/office/drawing/2014/main" id="{18BA723D-4E04-6B7D-0B47-79622161A68C}"/>
+                <a16:creationId xmlns:a16="http://schemas.microsoft.com/office/drawing/2014/main" id="{0C1DF804-091F-3A8A-FBA9-DFA54573CE79}"/>
               </a:ext>
             </a:extLst>
           </p:cNvPr>
@@ -6144,14 +6164,12 @@
         </p:nvSpPr>
         <p:spPr/>
         <p:txBody>
-          <a:bodyPr>
-            <a:normAutofit/>
-          </a:bodyPr>
-          <a:lstStyle/>
-          <a:p>
-            <a:r>
-              <a:rPr lang="en-US" sz="2800" dirty="0"/>
-              <a:t>The primary devices used to connect computers on a single network. Usually referred as a LAN, or local area network</a:t>
+          <a:bodyPr/>
+          <a:lstStyle/>
+          <a:p>
+            <a:r>
+              <a:rPr lang="en-US" dirty="0"/>
+              <a:t>definition</a:t>
             </a:r>
           </a:p>
         </p:txBody>
@@ -6159,7 +6177,7 @@
     </p:spTree>
     <p:extLst>
       <p:ext uri="{BB962C8B-B14F-4D97-AF65-F5344CB8AC3E}">
-        <p14:creationId xmlns:p14="http://schemas.microsoft.com/office/powerpoint/2010/main" val="3367462112"/>
+        <p14:creationId xmlns:p14="http://schemas.microsoft.com/office/powerpoint/2010/main" val="1934688929"/>
       </p:ext>
     </p:extLst>
   </p:cSld>
@@ -6191,7 +6209,7 @@
           <p:cNvPr id="2" name="Title 1">
             <a:extLst>
               <a:ext uri="{FF2B5EF4-FFF2-40B4-BE49-F238E27FC236}">
-                <a16:creationId xmlns:a16="http://schemas.microsoft.com/office/drawing/2014/main" id="{76380C06-A2E9-8D4D-54A1-6150D68B6454}"/>
+                <a16:creationId xmlns:a16="http://schemas.microsoft.com/office/drawing/2014/main" id="{FA879F02-156C-159B-2EE2-38933BCF6065}"/>
               </a:ext>
             </a:extLst>
           </p:cNvPr>
@@ -6207,42 +6225,342 @@
           <a:bodyPr/>
           <a:lstStyle/>
           <a:p>
+            <a:endParaRPr lang="en-US"/>
+          </a:p>
+        </p:txBody>
+      </p:sp>
+      <p:sp>
+        <p:nvSpPr>
+          <p:cNvPr id="3" name="Content Placeholder 2">
+            <a:extLst>
+              <a:ext uri="{FF2B5EF4-FFF2-40B4-BE49-F238E27FC236}">
+                <a16:creationId xmlns:a16="http://schemas.microsoft.com/office/drawing/2014/main" id="{D9F7005A-648A-F2C0-75AE-11374E204347}"/>
+              </a:ext>
+            </a:extLst>
+          </p:cNvPr>
+          <p:cNvSpPr>
+            <a:spLocks noGrp="1"/>
+          </p:cNvSpPr>
+          <p:nvPr>
+            <p:ph idx="1"/>
+          </p:nvPr>
+        </p:nvSpPr>
+        <p:spPr/>
+        <p:txBody>
+          <a:bodyPr/>
+          <a:lstStyle/>
+          <a:p>
             <a:r>
               <a:rPr lang="en-US" dirty="0"/>
-              <a:t>recap</a:t>
-            </a:r>
-          </a:p>
-        </p:txBody>
-      </p:sp>
-      <p:sp>
-        <p:nvSpPr>
-          <p:cNvPr id="3" name="Content Placeholder 2">
-            <a:extLst>
-              <a:ext uri="{FF2B5EF4-FFF2-40B4-BE49-F238E27FC236}">
-                <a16:creationId xmlns:a16="http://schemas.microsoft.com/office/drawing/2014/main" id="{8AD6FF66-BF60-7510-2A1E-18FE9E841BEC}"/>
-              </a:ext>
-            </a:extLst>
-          </p:cNvPr>
-          <p:cNvSpPr>
-            <a:spLocks noGrp="1"/>
-          </p:cNvSpPr>
-          <p:nvPr>
-            <p:ph idx="1"/>
-          </p:nvPr>
-        </p:nvSpPr>
-        <p:spPr/>
-        <p:txBody>
-          <a:bodyPr/>
-          <a:lstStyle/>
-          <a:p>
-            <a:endParaRPr lang="en-US"/>
+              <a:t>Switch image</a:t>
+            </a:r>
           </a:p>
         </p:txBody>
       </p:sp>
     </p:spTree>
     <p:extLst>
       <p:ext uri="{BB962C8B-B14F-4D97-AF65-F5344CB8AC3E}">
-        <p14:creationId xmlns:p14="http://schemas.microsoft.com/office/powerpoint/2010/main" val="1019534758"/>
+        <p14:creationId xmlns:p14="http://schemas.microsoft.com/office/powerpoint/2010/main" val="2096518013"/>
+      </p:ext>
+    </p:extLst>
+  </p:cSld>
+  <p:clrMapOvr>
+    <a:masterClrMapping/>
+  </p:clrMapOvr>
+</p:sld>
+</file>
+
+<file path=ppt/slides/slide35.xml><?xml version="1.0" encoding="utf-8"?>
+<p:sld xmlns:a="http://schemas.openxmlformats.org/drawingml/2006/main" xmlns:r="http://schemas.openxmlformats.org/officeDocument/2006/relationships" xmlns:p="http://schemas.openxmlformats.org/presentationml/2006/main">
+  <p:cSld>
+    <p:spTree>
+      <p:nvGrpSpPr>
+        <p:cNvPr id="1" name=""/>
+        <p:cNvGrpSpPr/>
+        <p:nvPr/>
+      </p:nvGrpSpPr>
+      <p:grpSpPr>
+        <a:xfrm>
+          <a:off x="0" y="0"/>
+          <a:ext cx="0" cy="0"/>
+          <a:chOff x="0" y="0"/>
+          <a:chExt cx="0" cy="0"/>
+        </a:xfrm>
+      </p:grpSpPr>
+      <p:pic>
+        <p:nvPicPr>
+          <p:cNvPr id="5" name="Picture 4">
+            <a:extLst>
+              <a:ext uri="{FF2B5EF4-FFF2-40B4-BE49-F238E27FC236}">
+                <a16:creationId xmlns:a16="http://schemas.microsoft.com/office/drawing/2014/main" id="{02C1F847-C0FE-AA4C-E5B3-42DF9023DE71}"/>
+              </a:ext>
+            </a:extLst>
+          </p:cNvPr>
+          <p:cNvPicPr>
+            <a:picLocks noChangeAspect="1"/>
+          </p:cNvPicPr>
+          <p:nvPr/>
+        </p:nvPicPr>
+        <p:blipFill>
+          <a:blip r:embed="rId2"/>
+          <a:stretch>
+            <a:fillRect/>
+          </a:stretch>
+        </p:blipFill>
+        <p:spPr>
+          <a:xfrm>
+            <a:off x="2438400" y="1262849"/>
+            <a:ext cx="7315200" cy="4332302"/>
+          </a:xfrm>
+          <a:prstGeom prst="rect">
+            <a:avLst/>
+          </a:prstGeom>
+        </p:spPr>
+      </p:pic>
+    </p:spTree>
+    <p:extLst>
+      <p:ext uri="{BB962C8B-B14F-4D97-AF65-F5344CB8AC3E}">
+        <p14:creationId xmlns:p14="http://schemas.microsoft.com/office/powerpoint/2010/main" val="3082726818"/>
+      </p:ext>
+    </p:extLst>
+  </p:cSld>
+  <p:clrMapOvr>
+    <a:masterClrMapping/>
+  </p:clrMapOvr>
+</p:sld>
+</file>
+
+<file path=ppt/slides/slide36.xml><?xml version="1.0" encoding="utf-8"?>
+<p:sld xmlns:a="http://schemas.openxmlformats.org/drawingml/2006/main" xmlns:r="http://schemas.openxmlformats.org/officeDocument/2006/relationships" xmlns:p="http://schemas.openxmlformats.org/presentationml/2006/main">
+  <p:cSld>
+    <p:spTree>
+      <p:nvGrpSpPr>
+        <p:cNvPr id="1" name=""/>
+        <p:cNvGrpSpPr/>
+        <p:nvPr/>
+      </p:nvGrpSpPr>
+      <p:grpSpPr>
+        <a:xfrm>
+          <a:off x="0" y="0"/>
+          <a:ext cx="0" cy="0"/>
+          <a:chOff x="0" y="0"/>
+          <a:chExt cx="0" cy="0"/>
+        </a:xfrm>
+      </p:grpSpPr>
+      <p:pic>
+        <p:nvPicPr>
+          <p:cNvPr id="3" name="Picture 2">
+            <a:extLst>
+              <a:ext uri="{FF2B5EF4-FFF2-40B4-BE49-F238E27FC236}">
+                <a16:creationId xmlns:a16="http://schemas.microsoft.com/office/drawing/2014/main" id="{E73037CD-86A1-329D-60AA-B9A629B826D4}"/>
+              </a:ext>
+            </a:extLst>
+          </p:cNvPr>
+          <p:cNvPicPr>
+            <a:picLocks noChangeAspect="1"/>
+          </p:cNvPicPr>
+          <p:nvPr/>
+        </p:nvPicPr>
+        <p:blipFill>
+          <a:blip r:embed="rId2"/>
+          <a:stretch>
+            <a:fillRect/>
+          </a:stretch>
+        </p:blipFill>
+        <p:spPr>
+          <a:xfrm>
+            <a:off x="2438400" y="1218363"/>
+            <a:ext cx="7315200" cy="4421274"/>
+          </a:xfrm>
+          <a:prstGeom prst="rect">
+            <a:avLst/>
+          </a:prstGeom>
+        </p:spPr>
+      </p:pic>
+    </p:spTree>
+    <p:extLst>
+      <p:ext uri="{BB962C8B-B14F-4D97-AF65-F5344CB8AC3E}">
+        <p14:creationId xmlns:p14="http://schemas.microsoft.com/office/powerpoint/2010/main" val="2973428860"/>
+      </p:ext>
+    </p:extLst>
+  </p:cSld>
+  <p:clrMapOvr>
+    <a:masterClrMapping/>
+  </p:clrMapOvr>
+</p:sld>
+</file>
+
+<file path=ppt/slides/slide37.xml><?xml version="1.0" encoding="utf-8"?>
+<p:sld xmlns:a="http://schemas.openxmlformats.org/drawingml/2006/main" xmlns:r="http://schemas.openxmlformats.org/officeDocument/2006/relationships" xmlns:p="http://schemas.openxmlformats.org/presentationml/2006/main">
+  <p:cSld>
+    <p:spTree>
+      <p:nvGrpSpPr>
+        <p:cNvPr id="1" name=""/>
+        <p:cNvGrpSpPr/>
+        <p:nvPr/>
+      </p:nvGrpSpPr>
+      <p:grpSpPr>
+        <a:xfrm>
+          <a:off x="0" y="0"/>
+          <a:ext cx="0" cy="0"/>
+          <a:chOff x="0" y="0"/>
+          <a:chExt cx="0" cy="0"/>
+        </a:xfrm>
+      </p:grpSpPr>
+      <p:pic>
+        <p:nvPicPr>
+          <p:cNvPr id="3" name="Picture 2">
+            <a:extLst>
+              <a:ext uri="{FF2B5EF4-FFF2-40B4-BE49-F238E27FC236}">
+                <a16:creationId xmlns:a16="http://schemas.microsoft.com/office/drawing/2014/main" id="{D5E3B023-721B-C53D-970F-80DE702829D5}"/>
+              </a:ext>
+            </a:extLst>
+          </p:cNvPr>
+          <p:cNvPicPr>
+            <a:picLocks noChangeAspect="1"/>
+          </p:cNvPicPr>
+          <p:nvPr/>
+        </p:nvPicPr>
+        <p:blipFill>
+          <a:blip r:embed="rId2"/>
+          <a:stretch>
+            <a:fillRect/>
+          </a:stretch>
+        </p:blipFill>
+        <p:spPr>
+          <a:xfrm>
+            <a:off x="2438400" y="1069131"/>
+            <a:ext cx="7315200" cy="4719738"/>
+          </a:xfrm>
+          <a:prstGeom prst="rect">
+            <a:avLst/>
+          </a:prstGeom>
+        </p:spPr>
+      </p:pic>
+    </p:spTree>
+    <p:extLst>
+      <p:ext uri="{BB962C8B-B14F-4D97-AF65-F5344CB8AC3E}">
+        <p14:creationId xmlns:p14="http://schemas.microsoft.com/office/powerpoint/2010/main" val="2468898571"/>
+      </p:ext>
+    </p:extLst>
+  </p:cSld>
+  <p:clrMapOvr>
+    <a:masterClrMapping/>
+  </p:clrMapOvr>
+</p:sld>
+</file>
+
+<file path=ppt/slides/slide38.xml><?xml version="1.0" encoding="utf-8"?>
+<p:sld xmlns:a="http://schemas.openxmlformats.org/drawingml/2006/main" xmlns:r="http://schemas.openxmlformats.org/officeDocument/2006/relationships" xmlns:p="http://schemas.openxmlformats.org/presentationml/2006/main">
+  <p:cSld>
+    <p:spTree>
+      <p:nvGrpSpPr>
+        <p:cNvPr id="1" name=""/>
+        <p:cNvGrpSpPr/>
+        <p:nvPr/>
+      </p:nvGrpSpPr>
+      <p:grpSpPr>
+        <a:xfrm>
+          <a:off x="0" y="0"/>
+          <a:ext cx="0" cy="0"/>
+          <a:chOff x="0" y="0"/>
+          <a:chExt cx="0" cy="0"/>
+        </a:xfrm>
+      </p:grpSpPr>
+      <p:pic>
+        <p:nvPicPr>
+          <p:cNvPr id="3" name="Picture 2">
+            <a:extLst>
+              <a:ext uri="{FF2B5EF4-FFF2-40B4-BE49-F238E27FC236}">
+                <a16:creationId xmlns:a16="http://schemas.microsoft.com/office/drawing/2014/main" id="{61A59C12-73C9-5417-A5DC-7E8C362CD349}"/>
+              </a:ext>
+            </a:extLst>
+          </p:cNvPr>
+          <p:cNvPicPr>
+            <a:picLocks noChangeAspect="1"/>
+          </p:cNvPicPr>
+          <p:nvPr/>
+        </p:nvPicPr>
+        <p:blipFill>
+          <a:blip r:embed="rId2"/>
+          <a:stretch>
+            <a:fillRect/>
+          </a:stretch>
+        </p:blipFill>
+        <p:spPr>
+          <a:xfrm>
+            <a:off x="2209800" y="1222075"/>
+            <a:ext cx="7772400" cy="4413849"/>
+          </a:xfrm>
+          <a:prstGeom prst="rect">
+            <a:avLst/>
+          </a:prstGeom>
+        </p:spPr>
+      </p:pic>
+    </p:spTree>
+    <p:extLst>
+      <p:ext uri="{BB962C8B-B14F-4D97-AF65-F5344CB8AC3E}">
+        <p14:creationId xmlns:p14="http://schemas.microsoft.com/office/powerpoint/2010/main" val="224004441"/>
+      </p:ext>
+    </p:extLst>
+  </p:cSld>
+  <p:clrMapOvr>
+    <a:masterClrMapping/>
+  </p:clrMapOvr>
+</p:sld>
+</file>
+
+<file path=ppt/slides/slide39.xml><?xml version="1.0" encoding="utf-8"?>
+<p:sld xmlns:a="http://schemas.openxmlformats.org/drawingml/2006/main" xmlns:r="http://schemas.openxmlformats.org/officeDocument/2006/relationships" xmlns:p="http://schemas.openxmlformats.org/presentationml/2006/main">
+  <p:cSld>
+    <p:spTree>
+      <p:nvGrpSpPr>
+        <p:cNvPr id="1" name=""/>
+        <p:cNvGrpSpPr/>
+        <p:nvPr/>
+      </p:nvGrpSpPr>
+      <p:grpSpPr>
+        <a:xfrm>
+          <a:off x="0" y="0"/>
+          <a:ext cx="0" cy="0"/>
+          <a:chOff x="0" y="0"/>
+          <a:chExt cx="0" cy="0"/>
+        </a:xfrm>
+      </p:grpSpPr>
+      <p:pic>
+        <p:nvPicPr>
+          <p:cNvPr id="3" name="Picture 2">
+            <a:extLst>
+              <a:ext uri="{FF2B5EF4-FFF2-40B4-BE49-F238E27FC236}">
+                <a16:creationId xmlns:a16="http://schemas.microsoft.com/office/drawing/2014/main" id="{B5876DC5-3E5E-D2A3-3825-F0C8F93160CF}"/>
+              </a:ext>
+            </a:extLst>
+          </p:cNvPr>
+          <p:cNvPicPr>
+            <a:picLocks noChangeAspect="1"/>
+          </p:cNvPicPr>
+          <p:nvPr/>
+        </p:nvPicPr>
+        <p:blipFill>
+          <a:blip r:embed="rId2"/>
+          <a:stretch>
+            <a:fillRect/>
+          </a:stretch>
+        </p:blipFill>
+        <p:spPr>
+          <a:xfrm>
+            <a:off x="1280412" y="1001233"/>
+            <a:ext cx="9631176" cy="4855533"/>
+          </a:xfrm>
+          <a:prstGeom prst="rect">
+            <a:avLst/>
+          </a:prstGeom>
+        </p:spPr>
+      </p:pic>
+    </p:spTree>
+    <p:extLst>
+      <p:ext uri="{BB962C8B-B14F-4D97-AF65-F5344CB8AC3E}">
+        <p14:creationId xmlns:p14="http://schemas.microsoft.com/office/powerpoint/2010/main" val="2799282749"/>
       </p:ext>
     </p:extLst>
   </p:cSld>
@@ -6331,6 +6649,769 @@
     <p:extLst>
       <p:ext uri="{BB962C8B-B14F-4D97-AF65-F5344CB8AC3E}">
         <p14:creationId xmlns:p14="http://schemas.microsoft.com/office/powerpoint/2010/main" val="4118166818"/>
+      </p:ext>
+    </p:extLst>
+  </p:cSld>
+  <p:clrMapOvr>
+    <a:masterClrMapping/>
+  </p:clrMapOvr>
+</p:sld>
+</file>
+
+<file path=ppt/slides/slide40.xml><?xml version="1.0" encoding="utf-8"?>
+<p:sld xmlns:a="http://schemas.openxmlformats.org/drawingml/2006/main" xmlns:r="http://schemas.openxmlformats.org/officeDocument/2006/relationships" xmlns:p="http://schemas.openxmlformats.org/presentationml/2006/main">
+  <p:cSld>
+    <p:spTree>
+      <p:nvGrpSpPr>
+        <p:cNvPr id="1" name=""/>
+        <p:cNvGrpSpPr/>
+        <p:nvPr/>
+      </p:nvGrpSpPr>
+      <p:grpSpPr>
+        <a:xfrm>
+          <a:off x="0" y="0"/>
+          <a:ext cx="0" cy="0"/>
+          <a:chOff x="0" y="0"/>
+          <a:chExt cx="0" cy="0"/>
+        </a:xfrm>
+      </p:grpSpPr>
+      <p:sp>
+        <p:nvSpPr>
+          <p:cNvPr id="2" name="Title 1">
+            <a:extLst>
+              <a:ext uri="{FF2B5EF4-FFF2-40B4-BE49-F238E27FC236}">
+                <a16:creationId xmlns:a16="http://schemas.microsoft.com/office/drawing/2014/main" id="{163A25DC-3C79-0B9A-9B71-23E7EAA649D7}"/>
+              </a:ext>
+            </a:extLst>
+          </p:cNvPr>
+          <p:cNvSpPr>
+            <a:spLocks noGrp="1"/>
+          </p:cNvSpPr>
+          <p:nvPr>
+            <p:ph type="title"/>
+          </p:nvPr>
+        </p:nvSpPr>
+        <p:spPr/>
+        <p:txBody>
+          <a:bodyPr/>
+          <a:lstStyle/>
+          <a:p>
+            <a:r>
+              <a:rPr lang="en-US" dirty="0"/>
+              <a:t>Hub and switches</a:t>
+            </a:r>
+          </a:p>
+        </p:txBody>
+      </p:sp>
+      <p:sp>
+        <p:nvSpPr>
+          <p:cNvPr id="3" name="Content Placeholder 2">
+            <a:extLst>
+              <a:ext uri="{FF2B5EF4-FFF2-40B4-BE49-F238E27FC236}">
+                <a16:creationId xmlns:a16="http://schemas.microsoft.com/office/drawing/2014/main" id="{18BA723D-4E04-6B7D-0B47-79622161A68C}"/>
+              </a:ext>
+            </a:extLst>
+          </p:cNvPr>
+          <p:cNvSpPr>
+            <a:spLocks noGrp="1"/>
+          </p:cNvSpPr>
+          <p:nvPr>
+            <p:ph idx="1"/>
+          </p:nvPr>
+        </p:nvSpPr>
+        <p:spPr/>
+        <p:txBody>
+          <a:bodyPr>
+            <a:normAutofit/>
+          </a:bodyPr>
+          <a:lstStyle/>
+          <a:p>
+            <a:r>
+              <a:rPr lang="en-US" sz="2800" dirty="0"/>
+              <a:t>The primary devices used to connect computers on a single network. Usually referred as a LAN, or local area network</a:t>
+            </a:r>
+          </a:p>
+        </p:txBody>
+      </p:sp>
+    </p:spTree>
+    <p:extLst>
+      <p:ext uri="{BB962C8B-B14F-4D97-AF65-F5344CB8AC3E}">
+        <p14:creationId xmlns:p14="http://schemas.microsoft.com/office/powerpoint/2010/main" val="3367462112"/>
+      </p:ext>
+    </p:extLst>
+  </p:cSld>
+  <p:clrMapOvr>
+    <a:masterClrMapping/>
+  </p:clrMapOvr>
+</p:sld>
+</file>
+
+<file path=ppt/slides/slide41.xml><?xml version="1.0" encoding="utf-8"?>
+<p:sld xmlns:a="http://schemas.openxmlformats.org/drawingml/2006/main" xmlns:r="http://schemas.openxmlformats.org/officeDocument/2006/relationships" xmlns:p="http://schemas.openxmlformats.org/presentationml/2006/main">
+  <p:cSld>
+    <p:spTree>
+      <p:nvGrpSpPr>
+        <p:cNvPr id="1" name=""/>
+        <p:cNvGrpSpPr/>
+        <p:nvPr/>
+      </p:nvGrpSpPr>
+      <p:grpSpPr>
+        <a:xfrm>
+          <a:off x="0" y="0"/>
+          <a:ext cx="0" cy="0"/>
+          <a:chOff x="0" y="0"/>
+          <a:chExt cx="0" cy="0"/>
+        </a:xfrm>
+      </p:grpSpPr>
+      <p:sp>
+        <p:nvSpPr>
+          <p:cNvPr id="2" name="Title 1">
+            <a:extLst>
+              <a:ext uri="{FF2B5EF4-FFF2-40B4-BE49-F238E27FC236}">
+                <a16:creationId xmlns:a16="http://schemas.microsoft.com/office/drawing/2014/main" id="{76380C06-A2E9-8D4D-54A1-6150D68B6454}"/>
+              </a:ext>
+            </a:extLst>
+          </p:cNvPr>
+          <p:cNvSpPr>
+            <a:spLocks noGrp="1"/>
+          </p:cNvSpPr>
+          <p:nvPr>
+            <p:ph type="title"/>
+          </p:nvPr>
+        </p:nvSpPr>
+        <p:spPr/>
+        <p:txBody>
+          <a:bodyPr/>
+          <a:lstStyle/>
+          <a:p>
+            <a:r>
+              <a:rPr lang="en-US" dirty="0"/>
+              <a:t>recap</a:t>
+            </a:r>
+          </a:p>
+        </p:txBody>
+      </p:sp>
+      <p:sp>
+        <p:nvSpPr>
+          <p:cNvPr id="3" name="Content Placeholder 2">
+            <a:extLst>
+              <a:ext uri="{FF2B5EF4-FFF2-40B4-BE49-F238E27FC236}">
+                <a16:creationId xmlns:a16="http://schemas.microsoft.com/office/drawing/2014/main" id="{8AD6FF66-BF60-7510-2A1E-18FE9E841BEC}"/>
+              </a:ext>
+            </a:extLst>
+          </p:cNvPr>
+          <p:cNvSpPr>
+            <a:spLocks noGrp="1"/>
+          </p:cNvSpPr>
+          <p:nvPr>
+            <p:ph idx="1"/>
+          </p:nvPr>
+        </p:nvSpPr>
+        <p:spPr/>
+        <p:txBody>
+          <a:bodyPr/>
+          <a:lstStyle/>
+          <a:p>
+            <a:endParaRPr lang="en-US"/>
+          </a:p>
+        </p:txBody>
+      </p:sp>
+    </p:spTree>
+    <p:extLst>
+      <p:ext uri="{BB962C8B-B14F-4D97-AF65-F5344CB8AC3E}">
+        <p14:creationId xmlns:p14="http://schemas.microsoft.com/office/powerpoint/2010/main" val="1019534758"/>
+      </p:ext>
+    </p:extLst>
+  </p:cSld>
+  <p:clrMapOvr>
+    <a:masterClrMapping/>
+  </p:clrMapOvr>
+</p:sld>
+</file>
+
+<file path=ppt/slides/slide42.xml><?xml version="1.0" encoding="utf-8"?>
+<p:sld xmlns:a="http://schemas.openxmlformats.org/drawingml/2006/main" xmlns:r="http://schemas.openxmlformats.org/officeDocument/2006/relationships" xmlns:p="http://schemas.openxmlformats.org/presentationml/2006/main">
+  <p:cSld>
+    <p:spTree>
+      <p:nvGrpSpPr>
+        <p:cNvPr id="1" name=""/>
+        <p:cNvGrpSpPr/>
+        <p:nvPr/>
+      </p:nvGrpSpPr>
+      <p:grpSpPr>
+        <a:xfrm>
+          <a:off x="0" y="0"/>
+          <a:ext cx="0" cy="0"/>
+          <a:chOff x="0" y="0"/>
+          <a:chExt cx="0" cy="0"/>
+        </a:xfrm>
+      </p:grpSpPr>
+      <p:sp>
+        <p:nvSpPr>
+          <p:cNvPr id="2" name="Title 1">
+            <a:extLst>
+              <a:ext uri="{FF2B5EF4-FFF2-40B4-BE49-F238E27FC236}">
+                <a16:creationId xmlns:a16="http://schemas.microsoft.com/office/drawing/2014/main" id="{881B0F16-C14A-BAB4-9B55-446D95BCA50B}"/>
+              </a:ext>
+            </a:extLst>
+          </p:cNvPr>
+          <p:cNvSpPr>
+            <a:spLocks noGrp="1"/>
+          </p:cNvSpPr>
+          <p:nvPr>
+            <p:ph type="title"/>
+          </p:nvPr>
+        </p:nvSpPr>
+        <p:spPr/>
+        <p:txBody>
+          <a:bodyPr/>
+          <a:lstStyle/>
+          <a:p>
+            <a:r>
+              <a:rPr lang="en-US" dirty="0"/>
+              <a:t>router</a:t>
+            </a:r>
+          </a:p>
+        </p:txBody>
+      </p:sp>
+      <p:sp>
+        <p:nvSpPr>
+          <p:cNvPr id="3" name="Content Placeholder 2">
+            <a:extLst>
+              <a:ext uri="{FF2B5EF4-FFF2-40B4-BE49-F238E27FC236}">
+                <a16:creationId xmlns:a16="http://schemas.microsoft.com/office/drawing/2014/main" id="{94072C71-AE7D-4724-B988-6346243C55EC}"/>
+              </a:ext>
+            </a:extLst>
+          </p:cNvPr>
+          <p:cNvSpPr>
+            <a:spLocks noGrp="1"/>
+          </p:cNvSpPr>
+          <p:nvPr>
+            <p:ph idx="1"/>
+          </p:nvPr>
+        </p:nvSpPr>
+        <p:spPr/>
+        <p:txBody>
+          <a:bodyPr>
+            <a:normAutofit/>
+          </a:bodyPr>
+          <a:lstStyle/>
+          <a:p>
+            <a:r>
+              <a:rPr lang="en-US" sz="2800" dirty="0"/>
+              <a:t>A device that knows how to forward data between independent networks</a:t>
+            </a:r>
+          </a:p>
+        </p:txBody>
+      </p:sp>
+    </p:spTree>
+    <p:extLst>
+      <p:ext uri="{BB962C8B-B14F-4D97-AF65-F5344CB8AC3E}">
+        <p14:creationId xmlns:p14="http://schemas.microsoft.com/office/powerpoint/2010/main" val="1067592773"/>
+      </p:ext>
+    </p:extLst>
+  </p:cSld>
+  <p:clrMapOvr>
+    <a:masterClrMapping/>
+  </p:clrMapOvr>
+</p:sld>
+</file>
+
+<file path=ppt/slides/slide43.xml><?xml version="1.0" encoding="utf-8"?>
+<p:sld xmlns:a="http://schemas.openxmlformats.org/drawingml/2006/main" xmlns:r="http://schemas.openxmlformats.org/officeDocument/2006/relationships" xmlns:p="http://schemas.openxmlformats.org/presentationml/2006/main">
+  <p:cSld>
+    <p:spTree>
+      <p:nvGrpSpPr>
+        <p:cNvPr id="1" name=""/>
+        <p:cNvGrpSpPr/>
+        <p:nvPr/>
+      </p:nvGrpSpPr>
+      <p:grpSpPr>
+        <a:xfrm>
+          <a:off x="0" y="0"/>
+          <a:ext cx="0" cy="0"/>
+          <a:chOff x="0" y="0"/>
+          <a:chExt cx="0" cy="0"/>
+        </a:xfrm>
+      </p:grpSpPr>
+      <p:pic>
+        <p:nvPicPr>
+          <p:cNvPr id="5" name="Picture 4">
+            <a:extLst>
+              <a:ext uri="{FF2B5EF4-FFF2-40B4-BE49-F238E27FC236}">
+                <a16:creationId xmlns:a16="http://schemas.microsoft.com/office/drawing/2014/main" id="{FFAFCEE0-5343-879D-8BBF-2C76571F8A35}"/>
+              </a:ext>
+            </a:extLst>
+          </p:cNvPr>
+          <p:cNvPicPr>
+            <a:picLocks noChangeAspect="1"/>
+          </p:cNvPicPr>
+          <p:nvPr/>
+        </p:nvPicPr>
+        <p:blipFill>
+          <a:blip r:embed="rId2"/>
+          <a:stretch>
+            <a:fillRect/>
+          </a:stretch>
+        </p:blipFill>
+        <p:spPr>
+          <a:xfrm>
+            <a:off x="994650" y="828312"/>
+            <a:ext cx="10202699" cy="5201376"/>
+          </a:xfrm>
+          <a:prstGeom prst="rect">
+            <a:avLst/>
+          </a:prstGeom>
+        </p:spPr>
+      </p:pic>
+    </p:spTree>
+    <p:extLst>
+      <p:ext uri="{BB962C8B-B14F-4D97-AF65-F5344CB8AC3E}">
+        <p14:creationId xmlns:p14="http://schemas.microsoft.com/office/powerpoint/2010/main" val="1273719552"/>
+      </p:ext>
+    </p:extLst>
+  </p:cSld>
+  <p:clrMapOvr>
+    <a:masterClrMapping/>
+  </p:clrMapOvr>
+</p:sld>
+</file>
+
+<file path=ppt/slides/slide44.xml><?xml version="1.0" encoding="utf-8"?>
+<p:sld xmlns:a="http://schemas.openxmlformats.org/drawingml/2006/main" xmlns:r="http://schemas.openxmlformats.org/officeDocument/2006/relationships" xmlns:p="http://schemas.openxmlformats.org/presentationml/2006/main">
+  <p:cSld>
+    <p:spTree>
+      <p:nvGrpSpPr>
+        <p:cNvPr id="1" name=""/>
+        <p:cNvGrpSpPr/>
+        <p:nvPr/>
+      </p:nvGrpSpPr>
+      <p:grpSpPr>
+        <a:xfrm>
+          <a:off x="0" y="0"/>
+          <a:ext cx="0" cy="0"/>
+          <a:chOff x="0" y="0"/>
+          <a:chExt cx="0" cy="0"/>
+        </a:xfrm>
+      </p:grpSpPr>
+      <p:pic>
+        <p:nvPicPr>
+          <p:cNvPr id="3" name="Picture 2">
+            <a:extLst>
+              <a:ext uri="{FF2B5EF4-FFF2-40B4-BE49-F238E27FC236}">
+                <a16:creationId xmlns:a16="http://schemas.microsoft.com/office/drawing/2014/main" id="{27AD2240-16D9-D7F2-9D7C-455270F26F7A}"/>
+              </a:ext>
+            </a:extLst>
+          </p:cNvPr>
+          <p:cNvPicPr>
+            <a:picLocks noChangeAspect="1"/>
+          </p:cNvPicPr>
+          <p:nvPr/>
+        </p:nvPicPr>
+        <p:blipFill>
+          <a:blip r:embed="rId2"/>
+          <a:stretch>
+            <a:fillRect/>
+          </a:stretch>
+        </p:blipFill>
+        <p:spPr>
+          <a:xfrm>
+            <a:off x="1994380" y="2239320"/>
+            <a:ext cx="8192643" cy="4544059"/>
+          </a:xfrm>
+          <a:prstGeom prst="rect">
+            <a:avLst/>
+          </a:prstGeom>
+        </p:spPr>
+      </p:pic>
+      <p:sp>
+        <p:nvSpPr>
+          <p:cNvPr id="4" name="Title 3">
+            <a:extLst>
+              <a:ext uri="{FF2B5EF4-FFF2-40B4-BE49-F238E27FC236}">
+                <a16:creationId xmlns:a16="http://schemas.microsoft.com/office/drawing/2014/main" id="{4959D262-F38A-9F64-9CF1-47CDEED1B0A7}"/>
+              </a:ext>
+            </a:extLst>
+          </p:cNvPr>
+          <p:cNvSpPr>
+            <a:spLocks noGrp="1"/>
+          </p:cNvSpPr>
+          <p:nvPr>
+            <p:ph type="title"/>
+          </p:nvPr>
+        </p:nvSpPr>
+        <p:spPr/>
+        <p:txBody>
+          <a:bodyPr/>
+          <a:lstStyle/>
+          <a:p>
+            <a:r>
+              <a:rPr lang="en-US" dirty="0"/>
+              <a:t>Internet service provider</a:t>
+            </a:r>
+          </a:p>
+        </p:txBody>
+      </p:sp>
+    </p:spTree>
+    <p:extLst>
+      <p:ext uri="{BB962C8B-B14F-4D97-AF65-F5344CB8AC3E}">
+        <p14:creationId xmlns:p14="http://schemas.microsoft.com/office/powerpoint/2010/main" val="3556715766"/>
+      </p:ext>
+    </p:extLst>
+  </p:cSld>
+  <p:clrMapOvr>
+    <a:masterClrMapping/>
+  </p:clrMapOvr>
+</p:sld>
+</file>
+
+<file path=ppt/slides/slide45.xml><?xml version="1.0" encoding="utf-8"?>
+<p:sld xmlns:a="http://schemas.openxmlformats.org/drawingml/2006/main" xmlns:r="http://schemas.openxmlformats.org/officeDocument/2006/relationships" xmlns:p="http://schemas.openxmlformats.org/presentationml/2006/main">
+  <p:cSld>
+    <p:spTree>
+      <p:nvGrpSpPr>
+        <p:cNvPr id="1" name=""/>
+        <p:cNvGrpSpPr/>
+        <p:nvPr/>
+      </p:nvGrpSpPr>
+      <p:grpSpPr>
+        <a:xfrm>
+          <a:off x="0" y="0"/>
+          <a:ext cx="0" cy="0"/>
+          <a:chOff x="0" y="0"/>
+          <a:chExt cx="0" cy="0"/>
+        </a:xfrm>
+      </p:grpSpPr>
+      <p:pic>
+        <p:nvPicPr>
+          <p:cNvPr id="4" name="Picture 3">
+            <a:extLst>
+              <a:ext uri="{FF2B5EF4-FFF2-40B4-BE49-F238E27FC236}">
+                <a16:creationId xmlns:a16="http://schemas.microsoft.com/office/drawing/2014/main" id="{6B4E4C2C-7AC4-8B4D-E24B-1B11CE91A606}"/>
+              </a:ext>
+            </a:extLst>
+          </p:cNvPr>
+          <p:cNvPicPr>
+            <a:picLocks noChangeAspect="1"/>
+          </p:cNvPicPr>
+          <p:nvPr/>
+        </p:nvPicPr>
+        <p:blipFill>
+          <a:blip r:embed="rId2"/>
+          <a:stretch>
+            <a:fillRect/>
+          </a:stretch>
+        </p:blipFill>
+        <p:spPr>
+          <a:xfrm>
+            <a:off x="1975862" y="1009312"/>
+            <a:ext cx="8240275" cy="4839375"/>
+          </a:xfrm>
+          <a:prstGeom prst="rect">
+            <a:avLst/>
+          </a:prstGeom>
+        </p:spPr>
+      </p:pic>
+    </p:spTree>
+    <p:extLst>
+      <p:ext uri="{BB962C8B-B14F-4D97-AF65-F5344CB8AC3E}">
+        <p14:creationId xmlns:p14="http://schemas.microsoft.com/office/powerpoint/2010/main" val="2087141491"/>
+      </p:ext>
+    </p:extLst>
+  </p:cSld>
+  <p:clrMapOvr>
+    <a:masterClrMapping/>
+  </p:clrMapOvr>
+</p:sld>
+</file>
+
+<file path=ppt/slides/slide46.xml><?xml version="1.0" encoding="utf-8"?>
+<p:sld xmlns:a="http://schemas.openxmlformats.org/drawingml/2006/main" xmlns:r="http://schemas.openxmlformats.org/officeDocument/2006/relationships" xmlns:p="http://schemas.openxmlformats.org/presentationml/2006/main">
+  <p:cSld>
+    <p:spTree>
+      <p:nvGrpSpPr>
+        <p:cNvPr id="1" name=""/>
+        <p:cNvGrpSpPr/>
+        <p:nvPr/>
+      </p:nvGrpSpPr>
+      <p:grpSpPr>
+        <a:xfrm>
+          <a:off x="0" y="0"/>
+          <a:ext cx="0" cy="0"/>
+          <a:chOff x="0" y="0"/>
+          <a:chExt cx="0" cy="0"/>
+        </a:xfrm>
+      </p:grpSpPr>
+      <p:sp>
+        <p:nvSpPr>
+          <p:cNvPr id="2" name="Title 1">
+            <a:extLst>
+              <a:ext uri="{FF2B5EF4-FFF2-40B4-BE49-F238E27FC236}">
+                <a16:creationId xmlns:a16="http://schemas.microsoft.com/office/drawing/2014/main" id="{2A4AC392-8F5F-17B8-81CA-4841181B06A7}"/>
+              </a:ext>
+            </a:extLst>
+          </p:cNvPr>
+          <p:cNvSpPr>
+            <a:spLocks noGrp="1"/>
+          </p:cNvSpPr>
+          <p:nvPr>
+            <p:ph type="title"/>
+          </p:nvPr>
+        </p:nvSpPr>
+        <p:spPr/>
+        <p:txBody>
+          <a:bodyPr/>
+          <a:lstStyle/>
+          <a:p>
+            <a:r>
+              <a:rPr lang="en-US" dirty="0"/>
+              <a:t>Border gateway protocol (BGP)</a:t>
+            </a:r>
+          </a:p>
+        </p:txBody>
+      </p:sp>
+      <p:sp>
+        <p:nvSpPr>
+          <p:cNvPr id="3" name="Content Placeholder 2">
+            <a:extLst>
+              <a:ext uri="{FF2B5EF4-FFF2-40B4-BE49-F238E27FC236}">
+                <a16:creationId xmlns:a16="http://schemas.microsoft.com/office/drawing/2014/main" id="{CDE6275D-0143-AA70-2E55-E31971095083}"/>
+              </a:ext>
+            </a:extLst>
+          </p:cNvPr>
+          <p:cNvSpPr>
+            <a:spLocks noGrp="1"/>
+          </p:cNvSpPr>
+          <p:nvPr>
+            <p:ph idx="1"/>
+          </p:nvPr>
+        </p:nvSpPr>
+        <p:spPr/>
+        <p:txBody>
+          <a:bodyPr>
+            <a:normAutofit/>
+          </a:bodyPr>
+          <a:lstStyle/>
+          <a:p>
+            <a:r>
+              <a:rPr lang="en-US" sz="2800" dirty="0"/>
+              <a:t>Routers share data with each other via this protocol, which lets them learn about  the most optimal paths to forward traffic.</a:t>
+            </a:r>
+          </a:p>
+        </p:txBody>
+      </p:sp>
+    </p:spTree>
+    <p:extLst>
+      <p:ext uri="{BB962C8B-B14F-4D97-AF65-F5344CB8AC3E}">
+        <p14:creationId xmlns:p14="http://schemas.microsoft.com/office/powerpoint/2010/main" val="2759308816"/>
+      </p:ext>
+    </p:extLst>
+  </p:cSld>
+  <p:clrMapOvr>
+    <a:masterClrMapping/>
+  </p:clrMapOvr>
+</p:sld>
+</file>
+
+<file path=ppt/slides/slide47.xml><?xml version="1.0" encoding="utf-8"?>
+<p:sld xmlns:a="http://schemas.openxmlformats.org/drawingml/2006/main" xmlns:r="http://schemas.openxmlformats.org/officeDocument/2006/relationships" xmlns:p="http://schemas.openxmlformats.org/presentationml/2006/main">
+  <p:cSld>
+    <p:spTree>
+      <p:nvGrpSpPr>
+        <p:cNvPr id="1" name=""/>
+        <p:cNvGrpSpPr/>
+        <p:nvPr/>
+      </p:nvGrpSpPr>
+      <p:grpSpPr>
+        <a:xfrm>
+          <a:off x="0" y="0"/>
+          <a:ext cx="0" cy="0"/>
+          <a:chOff x="0" y="0"/>
+          <a:chExt cx="0" cy="0"/>
+        </a:xfrm>
+      </p:grpSpPr>
+      <p:sp>
+        <p:nvSpPr>
+          <p:cNvPr id="2" name="Title 1">
+            <a:extLst>
+              <a:ext uri="{FF2B5EF4-FFF2-40B4-BE49-F238E27FC236}">
+                <a16:creationId xmlns:a16="http://schemas.microsoft.com/office/drawing/2014/main" id="{32B8020B-CDC5-AF6C-3A17-75BBD154B0A4}"/>
+              </a:ext>
+            </a:extLst>
+          </p:cNvPr>
+          <p:cNvSpPr>
+            <a:spLocks noGrp="1"/>
+          </p:cNvSpPr>
+          <p:nvPr>
+            <p:ph type="title"/>
+          </p:nvPr>
+        </p:nvSpPr>
+        <p:spPr/>
+        <p:txBody>
+          <a:bodyPr/>
+          <a:lstStyle/>
+          <a:p>
+            <a:r>
+              <a:rPr lang="en-US" dirty="0"/>
+              <a:t>NODE</a:t>
+            </a:r>
+          </a:p>
+        </p:txBody>
+      </p:sp>
+      <p:sp>
+        <p:nvSpPr>
+          <p:cNvPr id="3" name="Content Placeholder 2">
+            <a:extLst>
+              <a:ext uri="{FF2B5EF4-FFF2-40B4-BE49-F238E27FC236}">
+                <a16:creationId xmlns:a16="http://schemas.microsoft.com/office/drawing/2014/main" id="{D31FF1D7-C0E6-5BA8-677F-FC441C98EEFD}"/>
+              </a:ext>
+            </a:extLst>
+          </p:cNvPr>
+          <p:cNvSpPr>
+            <a:spLocks noGrp="1"/>
+          </p:cNvSpPr>
+          <p:nvPr>
+            <p:ph idx="1"/>
+          </p:nvPr>
+        </p:nvSpPr>
+        <p:spPr/>
+        <p:txBody>
+          <a:bodyPr>
+            <a:normAutofit/>
+          </a:bodyPr>
+          <a:lstStyle/>
+          <a:p>
+            <a:r>
+              <a:rPr lang="en-US" sz="2800" dirty="0"/>
+              <a:t>A device connected to the network</a:t>
+            </a:r>
+          </a:p>
+        </p:txBody>
+      </p:sp>
+    </p:spTree>
+    <p:extLst>
+      <p:ext uri="{BB962C8B-B14F-4D97-AF65-F5344CB8AC3E}">
+        <p14:creationId xmlns:p14="http://schemas.microsoft.com/office/powerpoint/2010/main" val="2436495380"/>
+      </p:ext>
+    </p:extLst>
+  </p:cSld>
+  <p:clrMapOvr>
+    <a:masterClrMapping/>
+  </p:clrMapOvr>
+</p:sld>
+</file>
+
+<file path=ppt/slides/slide48.xml><?xml version="1.0" encoding="utf-8"?>
+<p:sld xmlns:a="http://schemas.openxmlformats.org/drawingml/2006/main" xmlns:r="http://schemas.openxmlformats.org/officeDocument/2006/relationships" xmlns:p="http://schemas.openxmlformats.org/presentationml/2006/main">
+  <p:cSld>
+    <p:spTree>
+      <p:nvGrpSpPr>
+        <p:cNvPr id="1" name=""/>
+        <p:cNvGrpSpPr/>
+        <p:nvPr/>
+      </p:nvGrpSpPr>
+      <p:grpSpPr>
+        <a:xfrm>
+          <a:off x="0" y="0"/>
+          <a:ext cx="0" cy="0"/>
+          <a:chOff x="0" y="0"/>
+          <a:chExt cx="0" cy="0"/>
+        </a:xfrm>
+      </p:grpSpPr>
+      <p:pic>
+        <p:nvPicPr>
+          <p:cNvPr id="5" name="Picture 4">
+            <a:extLst>
+              <a:ext uri="{FF2B5EF4-FFF2-40B4-BE49-F238E27FC236}">
+                <a16:creationId xmlns:a16="http://schemas.microsoft.com/office/drawing/2014/main" id="{8436A67E-2C01-E577-C680-B7896B8B8A18}"/>
+              </a:ext>
+            </a:extLst>
+          </p:cNvPr>
+          <p:cNvPicPr>
+            <a:picLocks noChangeAspect="1"/>
+          </p:cNvPicPr>
+          <p:nvPr/>
+        </p:nvPicPr>
+        <p:blipFill>
+          <a:blip r:embed="rId2"/>
+          <a:stretch>
+            <a:fillRect/>
+          </a:stretch>
+        </p:blipFill>
+        <p:spPr>
+          <a:xfrm>
+            <a:off x="1999678" y="909286"/>
+            <a:ext cx="8192643" cy="5039428"/>
+          </a:xfrm>
+          <a:prstGeom prst="rect">
+            <a:avLst/>
+          </a:prstGeom>
+        </p:spPr>
+      </p:pic>
+    </p:spTree>
+    <p:extLst>
+      <p:ext uri="{BB962C8B-B14F-4D97-AF65-F5344CB8AC3E}">
+        <p14:creationId xmlns:p14="http://schemas.microsoft.com/office/powerpoint/2010/main" val="3037747962"/>
+      </p:ext>
+    </p:extLst>
+  </p:cSld>
+  <p:clrMapOvr>
+    <a:masterClrMapping/>
+  </p:clrMapOvr>
+</p:sld>
+</file>
+
+<file path=ppt/slides/slide49.xml><?xml version="1.0" encoding="utf-8"?>
+<p:sld xmlns:a="http://schemas.openxmlformats.org/drawingml/2006/main" xmlns:r="http://schemas.openxmlformats.org/officeDocument/2006/relationships" xmlns:p="http://schemas.openxmlformats.org/presentationml/2006/main">
+  <p:cSld>
+    <p:spTree>
+      <p:nvGrpSpPr>
+        <p:cNvPr id="1" name=""/>
+        <p:cNvGrpSpPr/>
+        <p:nvPr/>
+      </p:nvGrpSpPr>
+      <p:grpSpPr>
+        <a:xfrm>
+          <a:off x="0" y="0"/>
+          <a:ext cx="0" cy="0"/>
+          <a:chOff x="0" y="0"/>
+          <a:chExt cx="0" cy="0"/>
+        </a:xfrm>
+      </p:grpSpPr>
+      <p:pic>
+        <p:nvPicPr>
+          <p:cNvPr id="3" name="Picture 2">
+            <a:extLst>
+              <a:ext uri="{FF2B5EF4-FFF2-40B4-BE49-F238E27FC236}">
+                <a16:creationId xmlns:a16="http://schemas.microsoft.com/office/drawing/2014/main" id="{D2058581-D5CC-BE08-6822-C4AEB5AE11E5}"/>
+              </a:ext>
+            </a:extLst>
+          </p:cNvPr>
+          <p:cNvPicPr>
+            <a:picLocks noChangeAspect="1"/>
+          </p:cNvPicPr>
+          <p:nvPr/>
+        </p:nvPicPr>
+        <p:blipFill>
+          <a:blip r:embed="rId2"/>
+          <a:stretch>
+            <a:fillRect/>
+          </a:stretch>
+        </p:blipFill>
+        <p:spPr>
+          <a:xfrm>
+            <a:off x="832703" y="713996"/>
+            <a:ext cx="10526594" cy="5430008"/>
+          </a:xfrm>
+          <a:prstGeom prst="rect">
+            <a:avLst/>
+          </a:prstGeom>
+        </p:spPr>
+      </p:pic>
+    </p:spTree>
+    <p:extLst>
+      <p:ext uri="{BB962C8B-B14F-4D97-AF65-F5344CB8AC3E}">
+        <p14:creationId xmlns:p14="http://schemas.microsoft.com/office/powerpoint/2010/main" val="4196091932"/>
       </p:ext>
     </p:extLst>
   </p:cSld>
